--- a/Project Presentation.pptx
+++ b/Project Presentation.pptx
@@ -9809,7 +9809,7 @@
               </a:lnSpc>
               <a:buNone/>
             </a:pPr>
-            <a:fld id="{34955D90-D65C-427A-AA41-323443A3DA21}" type="slidenum">
+            <a:fld id="{E407CC10-5612-4C06-8692-56071177AC34}" type="slidenum">
               <a:rPr b="0" lang="en-US" sz="1400" spc="-1" strike="noStrike">
                 <a:latin typeface="Arial"/>
               </a:rPr>
@@ -11512,7 +11512,19 @@
               <a:rPr b="0" i="1" lang="en-US" sz="2400" spc="-1" strike="noStrike">
                 <a:latin typeface="Nimbus Roman"/>
               </a:rPr>
-              <a:t>Aviation safety databases ( National Transportation Safety Board). Historical accident and incident reports. Aircraft performance, weather conditions, and flight phases.</a:t>
+              <a:t>Aviation safety databases ( National Transportation Safety Board). </a:t>
+            </a:r>
+            <a:r>
+              <a:rPr b="0" i="1" lang="en-US" sz="2400" spc="-1" strike="noStrike">
+                <a:latin typeface="Nimbus Roman"/>
+              </a:rPr>
+              <a:t>Historical accident and incident reports. Aircraft performance, </a:t>
+            </a:r>
+            <a:r>
+              <a:rPr b="0" i="1" lang="en-US" sz="2400" spc="-1" strike="noStrike">
+                <a:latin typeface="Nimbus Roman"/>
+              </a:rPr>
+              <a:t>weather conditions, and flight phases.</a:t>
             </a:r>
             <a:endParaRPr b="0" lang="en-US" sz="2400" spc="-1" strike="noStrike">
               <a:latin typeface="Arial"/>
@@ -11564,7 +11576,13 @@
               <a:rPr b="0" i="1" lang="en-US" sz="2400" spc="-1" strike="noStrike">
                 <a:latin typeface="Nimbus Roman"/>
               </a:rPr>
-              <a:t>Aircraft Make/Model, Incident Count, Flight Phase, Weather Condition, Casualties (Fatal/Serious Injuries).</a:t>
+              <a:t>Aircraft Make/Model, Incident Count, Flight Phase, Weather </a:t>
+            </a:r>
+            <a:r>
+              <a:rPr b="0" i="1" lang="en-US" sz="2400" spc="-1" strike="noStrike">
+                <a:latin typeface="Nimbus Roman"/>
+              </a:rPr>
+              <a:t>Condition, Casualties (Fatal/Serious Injuries).</a:t>
             </a:r>
             <a:endParaRPr b="0" lang="en-US" sz="2400" spc="-1" strike="noStrike">
               <a:latin typeface="Arial"/>
@@ -12449,7 +12467,7 @@
         </p:spPr>
         <p:txBody>
           <a:bodyPr lIns="0" rIns="0" tIns="0" bIns="0" anchor="t">
-            <a:normAutofit/>
+            <a:normAutofit fontScale="92000"/>
           </a:bodyPr>
           <a:p>
             <a:pPr marL="432000" indent="-324000">
@@ -12561,7 +12579,19 @@
               <a:rPr b="0" i="1" lang="en-US" sz="2000" spc="-1" strike="noStrike">
                 <a:latin typeface="Nimbus Roman"/>
               </a:rPr>
-              <a:t>Thus recommend this aircraft based on incident rate and other factors: </a:t>
+              <a:t>Thus recommend this aircraft based on incident rate and other factors: this </a:t>
+            </a:r>
+            <a:r>
+              <a:rPr b="0" i="1" lang="en-US" sz="2000" spc="-1" strike="noStrike">
+                <a:latin typeface="Nimbus Roman"/>
+              </a:rPr>
+              <a:t>aircraft types;- KnaKenDacWel, Menees, Menzimer, Mercer, Merchant since they </a:t>
+            </a:r>
+            <a:r>
+              <a:rPr b="0" i="1" lang="en-US" sz="2000" spc="-1" strike="noStrike">
+                <a:latin typeface="Nimbus Roman"/>
+              </a:rPr>
+              <a:t>have the least incident cases and seem to be reliable in this case.</a:t>
             </a:r>
             <a:endParaRPr b="0" lang="en-US" sz="2000" spc="-1" strike="noStrike">
               <a:latin typeface="Arial"/>
